--- a/diagrams/diagrams.pptx
+++ b/diagrams/diagrams.pptx
@@ -41,7 +41,7 @@
             <a:spLocks noGrp="1"/>
           </p:cNvSpPr>
           <p:nvPr>
-            <p:ph type="ftr" idx="2"/>
+            <p:ph type="ftr" idx="1"/>
           </p:nvPr>
         </p:nvSpPr>
         <p:spPr/>
@@ -61,14 +61,14 @@
             <a:spLocks noGrp="1"/>
           </p:cNvSpPr>
           <p:nvPr>
-            <p:ph type="sldNum" idx="3"/>
+            <p:ph type="sldNum" idx="2"/>
           </p:nvPr>
         </p:nvSpPr>
         <p:spPr/>
         <p:txBody>
           <a:bodyPr/>
           <a:p>
-            <a:fld id="{3E77C2FF-BBA0-4C10-B7DA-83813176F049}" type="slidenum">
+            <a:fld id="{1753152F-9BCE-470E-B006-01B06C5BF504}" type="slidenum">
               <a:t>&lt;#&gt;</a:t>
             </a:fld>
           </a:p>
@@ -81,7 +81,7 @@
             <a:spLocks noGrp="1"/>
           </p:cNvSpPr>
           <p:nvPr>
-            <p:ph type="dt" idx="1"/>
+            <p:ph type="dt" idx="3"/>
           </p:nvPr>
         </p:nvSpPr>
         <p:spPr/>
@@ -124,62 +124,13 @@
             <a:spLocks noGrp="1"/>
           </p:cNvSpPr>
           <p:nvPr>
-            <p:ph type="title"/>
+            <p:ph type="ftr" idx="1"/>
           </p:nvPr>
         </p:nvSpPr>
         <p:spPr>
           <a:xfrm>
-            <a:off x="504000" y="226080"/>
-            <a:ext cx="9071640" cy="946440"/>
-          </a:xfrm>
-          <a:prstGeom prst="rect">
-            <a:avLst/>
-          </a:prstGeom>
-          <a:noFill/>
-          <a:ln w="0">
-            <a:noFill/>
-          </a:ln>
-        </p:spPr>
-        <p:txBody>
-          <a:bodyPr lIns="0" rIns="0" tIns="0" bIns="0" anchor="ctr">
-            <a:noAutofit/>
-          </a:bodyPr>
-          <a:p>
-            <a:pPr indent="0" algn="ctr">
-              <a:buNone/>
-            </a:pPr>
-            <a:r>
-              <a:rPr b="0" lang="en-CA" sz="4400" spc="-1" strike="noStrike">
-                <a:solidFill>
-                  <a:srgbClr val="000000"/>
-                </a:solidFill>
-                <a:latin typeface="Arial"/>
-              </a:rPr>
-              <a:t>Click to edit the title text format</a:t>
-            </a:r>
-            <a:endParaRPr b="0" lang="en-CA" sz="4400" spc="-1" strike="noStrike">
-              <a:solidFill>
-                <a:srgbClr val="000000"/>
-              </a:solidFill>
-              <a:latin typeface="Arial"/>
-            </a:endParaRPr>
-          </a:p>
-        </p:txBody>
-      </p:sp>
-      <p:sp>
-        <p:nvSpPr>
-          <p:cNvPr id="1" name="PlaceHolder 2"/>
-          <p:cNvSpPr>
-            <a:spLocks noGrp="1"/>
-          </p:cNvSpPr>
-          <p:nvPr>
-            <p:ph type="body"/>
-          </p:nvPr>
-        </p:nvSpPr>
-        <p:spPr>
-          <a:xfrm>
-            <a:off x="504000" y="1326600"/>
-            <a:ext cx="9071640" cy="3288240"/>
+            <a:off x="3447360" y="5165280"/>
+            <a:ext cx="3194640" cy="390240"/>
           </a:xfrm>
           <a:prstGeom prst="rect">
             <a:avLst/>
@@ -191,202 +142,121 @@
         </p:spPr>
         <p:txBody>
           <a:bodyPr lIns="0" rIns="0" tIns="0" bIns="0" anchor="t">
-            <a:normAutofit/>
+            <a:noAutofit/>
           </a:bodyPr>
-          <a:p>
-            <a:pPr marL="432000" indent="-324000">
-              <a:spcBef>
-                <a:spcPts val="1417"/>
-              </a:spcBef>
-              <a:buClr>
-                <a:srgbClr val="000000"/>
-              </a:buClr>
-              <a:buSzPct val="45000"/>
-              <a:buFont typeface="Wingdings" charset="2"/>
-              <a:buChar char=""/>
+          <a:lstStyle>
+            <a:lvl1pPr indent="0" algn="ctr">
+              <a:lnSpc>
+                <a:spcPct val="100000"/>
+              </a:lnSpc>
+              <a:buNone/>
+              <a:tabLst>
+                <a:tab algn="l" pos="0"/>
+              </a:tabLst>
+              <a:defRPr b="0" lang="en-CA" sz="1400" spc="-1" strike="noStrike">
+                <a:solidFill>
+                  <a:srgbClr val="000000"/>
+                </a:solidFill>
+                <a:latin typeface="Times New Roman"/>
+              </a:defRPr>
+            </a:lvl1pPr>
+          </a:lstStyle>
+          <a:p>
+            <a:pPr indent="0" algn="ctr">
+              <a:lnSpc>
+                <a:spcPct val="100000"/>
+              </a:lnSpc>
+              <a:buNone/>
+              <a:tabLst>
+                <a:tab algn="l" pos="0"/>
+              </a:tabLst>
             </a:pPr>
             <a:r>
-              <a:rPr b="0" lang="en-CA" sz="3200" spc="-1" strike="noStrike">
-                <a:solidFill>
-                  <a:srgbClr val="000000"/>
-                </a:solidFill>
-                <a:latin typeface="Arial"/>
+              <a:rPr b="0" lang="en-CA" sz="1400" spc="-1" strike="noStrike">
+                <a:solidFill>
+                  <a:srgbClr val="000000"/>
+                </a:solidFill>
+                <a:latin typeface="Times New Roman"/>
               </a:rPr>
-              <a:t>Click to edit the outline text format</a:t>
-            </a:r>
-            <a:endParaRPr b="0" lang="en-CA" sz="3200" spc="-1" strike="noStrike">
+              <a:t>&lt;footer&gt;</a:t>
+            </a:r>
+            <a:endParaRPr b="0" lang="en-CA" sz="1400" spc="-1" strike="noStrike">
               <a:solidFill>
                 <a:srgbClr val="000000"/>
               </a:solidFill>
-              <a:latin typeface="Arial"/>
+              <a:latin typeface="Times New Roman"/>
             </a:endParaRPr>
           </a:p>
-          <a:p>
-            <a:pPr lvl="1" marL="864000" indent="-324000">
-              <a:spcBef>
-                <a:spcPts val="1134"/>
-              </a:spcBef>
-              <a:buClr>
-                <a:srgbClr val="000000"/>
-              </a:buClr>
-              <a:buSzPct val="75000"/>
-              <a:buFont typeface="Symbol" charset="2"/>
-              <a:buChar char=""/>
+        </p:txBody>
+      </p:sp>
+      <p:sp>
+        <p:nvSpPr>
+          <p:cNvPr id="1" name="PlaceHolder 2"/>
+          <p:cNvSpPr>
+            <a:spLocks noGrp="1"/>
+          </p:cNvSpPr>
+          <p:nvPr>
+            <p:ph type="sldNum" idx="2"/>
+          </p:nvPr>
+        </p:nvSpPr>
+        <p:spPr>
+          <a:xfrm>
+            <a:off x="7227360" y="5165280"/>
+            <a:ext cx="2347920" cy="390240"/>
+          </a:xfrm>
+          <a:prstGeom prst="rect">
+            <a:avLst/>
+          </a:prstGeom>
+          <a:noFill/>
+          <a:ln w="0">
+            <a:noFill/>
+          </a:ln>
+        </p:spPr>
+        <p:txBody>
+          <a:bodyPr lIns="0" rIns="0" tIns="0" bIns="0" anchor="t">
+            <a:noAutofit/>
+          </a:bodyPr>
+          <a:lstStyle>
+            <a:lvl1pPr indent="0" algn="r">
+              <a:lnSpc>
+                <a:spcPct val="100000"/>
+              </a:lnSpc>
+              <a:buNone/>
+              <a:tabLst>
+                <a:tab algn="l" pos="0"/>
+              </a:tabLst>
+              <a:defRPr b="0" lang="en-CA" sz="1400" spc="-1" strike="noStrike">
+                <a:solidFill>
+                  <a:srgbClr val="000000"/>
+                </a:solidFill>
+                <a:latin typeface="Times New Roman"/>
+              </a:defRPr>
+            </a:lvl1pPr>
+          </a:lstStyle>
+          <a:p>
+            <a:pPr indent="0" algn="r">
+              <a:lnSpc>
+                <a:spcPct val="100000"/>
+              </a:lnSpc>
+              <a:buNone/>
+              <a:tabLst>
+                <a:tab algn="l" pos="0"/>
+              </a:tabLst>
             </a:pPr>
-            <a:r>
-              <a:rPr b="0" lang="en-CA" sz="2800" spc="-1" strike="noStrike">
-                <a:solidFill>
-                  <a:srgbClr val="000000"/>
-                </a:solidFill>
-                <a:latin typeface="Arial"/>
+            <a:fld id="{21EE97E6-418A-4623-91B5-813D2FB24829}" type="slidenum">
+              <a:rPr b="0" lang="en-CA" sz="1400" spc="-1" strike="noStrike">
+                <a:solidFill>
+                  <a:srgbClr val="000000"/>
+                </a:solidFill>
+                <a:latin typeface="Times New Roman"/>
               </a:rPr>
-              <a:t>Second Outline Level</a:t>
-            </a:r>
-            <a:endParaRPr b="0" lang="en-CA" sz="2800" spc="-1" strike="noStrike">
+              <a:t>&lt;number&gt;</a:t>
+            </a:fld>
+            <a:endParaRPr b="0" lang="en-CA" sz="1400" spc="-1" strike="noStrike">
               <a:solidFill>
                 <a:srgbClr val="000000"/>
               </a:solidFill>
-              <a:latin typeface="Arial"/>
-            </a:endParaRPr>
-          </a:p>
-          <a:p>
-            <a:pPr lvl="2" marL="1296000" indent="-288000">
-              <a:spcBef>
-                <a:spcPts val="850"/>
-              </a:spcBef>
-              <a:buClr>
-                <a:srgbClr val="000000"/>
-              </a:buClr>
-              <a:buSzPct val="45000"/>
-              <a:buFont typeface="Wingdings" charset="2"/>
-              <a:buChar char=""/>
-            </a:pPr>
-            <a:r>
-              <a:rPr b="0" lang="en-CA" sz="2400" spc="-1" strike="noStrike">
-                <a:solidFill>
-                  <a:srgbClr val="000000"/>
-                </a:solidFill>
-                <a:latin typeface="Arial"/>
-              </a:rPr>
-              <a:t>Third Outline Level</a:t>
-            </a:r>
-            <a:endParaRPr b="0" lang="en-CA" sz="2400" spc="-1" strike="noStrike">
-              <a:solidFill>
-                <a:srgbClr val="000000"/>
-              </a:solidFill>
-              <a:latin typeface="Arial"/>
-            </a:endParaRPr>
-          </a:p>
-          <a:p>
-            <a:pPr lvl="3" marL="1728000" indent="-216000">
-              <a:spcBef>
-                <a:spcPts val="567"/>
-              </a:spcBef>
-              <a:buClr>
-                <a:srgbClr val="000000"/>
-              </a:buClr>
-              <a:buSzPct val="75000"/>
-              <a:buFont typeface="Symbol" charset="2"/>
-              <a:buChar char=""/>
-            </a:pPr>
-            <a:r>
-              <a:rPr b="0" lang="en-CA" sz="2000" spc="-1" strike="noStrike">
-                <a:solidFill>
-                  <a:srgbClr val="000000"/>
-                </a:solidFill>
-                <a:latin typeface="Arial"/>
-              </a:rPr>
-              <a:t>Fourth Outline Level</a:t>
-            </a:r>
-            <a:endParaRPr b="0" lang="en-CA" sz="2000" spc="-1" strike="noStrike">
-              <a:solidFill>
-                <a:srgbClr val="000000"/>
-              </a:solidFill>
-              <a:latin typeface="Arial"/>
-            </a:endParaRPr>
-          </a:p>
-          <a:p>
-            <a:pPr lvl="4" marL="2160000" indent="-216000">
-              <a:spcBef>
-                <a:spcPts val="283"/>
-              </a:spcBef>
-              <a:buClr>
-                <a:srgbClr val="000000"/>
-              </a:buClr>
-              <a:buSzPct val="45000"/>
-              <a:buFont typeface="Wingdings" charset="2"/>
-              <a:buChar char=""/>
-            </a:pPr>
-            <a:r>
-              <a:rPr b="0" lang="en-CA" sz="2000" spc="-1" strike="noStrike">
-                <a:solidFill>
-                  <a:srgbClr val="000000"/>
-                </a:solidFill>
-                <a:latin typeface="Arial"/>
-              </a:rPr>
-              <a:t>Fifth Outline Level</a:t>
-            </a:r>
-            <a:endParaRPr b="0" lang="en-CA" sz="2000" spc="-1" strike="noStrike">
-              <a:solidFill>
-                <a:srgbClr val="000000"/>
-              </a:solidFill>
-              <a:latin typeface="Arial"/>
-            </a:endParaRPr>
-          </a:p>
-          <a:p>
-            <a:pPr lvl="5" marL="2592000" indent="-216000">
-              <a:spcBef>
-                <a:spcPts val="283"/>
-              </a:spcBef>
-              <a:buClr>
-                <a:srgbClr val="000000"/>
-              </a:buClr>
-              <a:buSzPct val="45000"/>
-              <a:buFont typeface="Wingdings" charset="2"/>
-              <a:buChar char=""/>
-            </a:pPr>
-            <a:r>
-              <a:rPr b="0" lang="en-CA" sz="2000" spc="-1" strike="noStrike">
-                <a:solidFill>
-                  <a:srgbClr val="000000"/>
-                </a:solidFill>
-                <a:latin typeface="Arial"/>
-              </a:rPr>
-              <a:t>Sixth Outline Level</a:t>
-            </a:r>
-            <a:endParaRPr b="0" lang="en-CA" sz="2000" spc="-1" strike="noStrike">
-              <a:solidFill>
-                <a:srgbClr val="000000"/>
-              </a:solidFill>
-              <a:latin typeface="Arial"/>
-            </a:endParaRPr>
-          </a:p>
-          <a:p>
-            <a:pPr lvl="6" marL="3024000" indent="-216000">
-              <a:spcBef>
-                <a:spcPts val="283"/>
-              </a:spcBef>
-              <a:buClr>
-                <a:srgbClr val="000000"/>
-              </a:buClr>
-              <a:buSzPct val="45000"/>
-              <a:buFont typeface="Wingdings" charset="2"/>
-              <a:buChar char=""/>
-            </a:pPr>
-            <a:r>
-              <a:rPr b="0" lang="en-CA" sz="2000" spc="-1" strike="noStrike">
-                <a:solidFill>
-                  <a:srgbClr val="000000"/>
-                </a:solidFill>
-                <a:latin typeface="Arial"/>
-              </a:rPr>
-              <a:t>Seventh Outline Level</a:t>
-            </a:r>
-            <a:endParaRPr b="0" lang="en-CA" sz="2000" spc="-1" strike="noStrike">
-              <a:solidFill>
-                <a:srgbClr val="000000"/>
-              </a:solidFill>
-              <a:latin typeface="Arial"/>
+              <a:latin typeface="Times New Roman"/>
             </a:endParaRPr>
           </a:p>
         </p:txBody>
@@ -398,13 +268,13 @@
             <a:spLocks noGrp="1"/>
           </p:cNvSpPr>
           <p:nvPr>
-            <p:ph type="dt" idx="1"/>
+            <p:ph type="dt" idx="3"/>
           </p:nvPr>
         </p:nvSpPr>
         <p:spPr>
           <a:xfrm>
             <a:off x="504000" y="5165280"/>
-            <a:ext cx="2348280" cy="390600"/>
+            <a:ext cx="2347920" cy="390240"/>
           </a:xfrm>
           <a:prstGeom prst="rect">
             <a:avLst/>
@@ -458,13 +328,62 @@
             <a:spLocks noGrp="1"/>
           </p:cNvSpPr>
           <p:nvPr>
-            <p:ph type="ftr" idx="2"/>
+            <p:ph type="title"/>
           </p:nvPr>
         </p:nvSpPr>
         <p:spPr>
           <a:xfrm>
-            <a:off x="3447360" y="5165280"/>
-            <a:ext cx="3195000" cy="390600"/>
+            <a:off x="504000" y="226080"/>
+            <a:ext cx="9072000" cy="946440"/>
+          </a:xfrm>
+          <a:prstGeom prst="rect">
+            <a:avLst/>
+          </a:prstGeom>
+          <a:noFill/>
+          <a:ln w="0">
+            <a:noFill/>
+          </a:ln>
+        </p:spPr>
+        <p:txBody>
+          <a:bodyPr lIns="0" rIns="0" tIns="0" bIns="0" anchor="ctr">
+            <a:noAutofit/>
+          </a:bodyPr>
+          <a:p>
+            <a:pPr indent="0" algn="ctr">
+              <a:buNone/>
+            </a:pPr>
+            <a:r>
+              <a:rPr b="0" lang="en-CA" sz="4400" spc="-1" strike="noStrike">
+                <a:solidFill>
+                  <a:srgbClr val="000000"/>
+                </a:solidFill>
+                <a:latin typeface="Arial"/>
+              </a:rPr>
+              <a:t>Click to edit the title text format</a:t>
+            </a:r>
+            <a:endParaRPr b="0" lang="en-CA" sz="4400" spc="-1" strike="noStrike">
+              <a:solidFill>
+                <a:srgbClr val="000000"/>
+              </a:solidFill>
+              <a:latin typeface="Arial"/>
+            </a:endParaRPr>
+          </a:p>
+        </p:txBody>
+      </p:sp>
+      <p:sp>
+        <p:nvSpPr>
+          <p:cNvPr id="4" name="PlaceHolder 5"/>
+          <p:cNvSpPr>
+            <a:spLocks noGrp="1"/>
+          </p:cNvSpPr>
+          <p:nvPr>
+            <p:ph type="body"/>
+          </p:nvPr>
+        </p:nvSpPr>
+        <p:spPr>
+          <a:xfrm>
+            <a:off x="504000" y="1326600"/>
+            <a:ext cx="9072000" cy="3288600"/>
           </a:xfrm>
           <a:prstGeom prst="rect">
             <a:avLst/>
@@ -476,97 +395,202 @@
         </p:spPr>
         <p:txBody>
           <a:bodyPr lIns="0" rIns="0" tIns="0" bIns="0" anchor="t">
-            <a:noAutofit/>
+            <a:normAutofit/>
           </a:bodyPr>
-          <a:lstStyle>
-            <a:lvl1pPr indent="0" algn="ctr">
-              <a:buNone/>
-              <a:defRPr b="0" lang="en-CA" sz="1400" spc="-1" strike="noStrike">
-                <a:solidFill>
-                  <a:srgbClr val="000000"/>
-                </a:solidFill>
-                <a:latin typeface="Times New Roman"/>
-              </a:defRPr>
-            </a:lvl1pPr>
-          </a:lstStyle>
-          <a:p>
-            <a:pPr indent="0" algn="ctr">
-              <a:buNone/>
+          <a:p>
+            <a:pPr marL="432000" indent="-324000">
+              <a:spcBef>
+                <a:spcPts val="1417"/>
+              </a:spcBef>
+              <a:buClr>
+                <a:srgbClr val="000000"/>
+              </a:buClr>
+              <a:buSzPct val="45000"/>
+              <a:buFont typeface="Wingdings" charset="2"/>
+              <a:buChar char=""/>
             </a:pPr>
             <a:r>
-              <a:rPr b="0" lang="en-CA" sz="1400" spc="-1" strike="noStrike">
-                <a:solidFill>
-                  <a:srgbClr val="000000"/>
-                </a:solidFill>
-                <a:latin typeface="Times New Roman"/>
+              <a:rPr b="0" lang="en-CA" sz="3200" spc="-1" strike="noStrike">
+                <a:solidFill>
+                  <a:srgbClr val="000000"/>
+                </a:solidFill>
+                <a:latin typeface="Arial"/>
               </a:rPr>
-              <a:t>&lt;footer&gt;</a:t>
-            </a:r>
-            <a:endParaRPr b="0" lang="en-CA" sz="1400" spc="-1" strike="noStrike">
+              <a:t>Click to edit the outline text format</a:t>
+            </a:r>
+            <a:endParaRPr b="0" lang="en-CA" sz="3200" spc="-1" strike="noStrike">
               <a:solidFill>
                 <a:srgbClr val="000000"/>
               </a:solidFill>
-              <a:latin typeface="Times New Roman"/>
+              <a:latin typeface="Arial"/>
             </a:endParaRPr>
           </a:p>
-        </p:txBody>
-      </p:sp>
-      <p:sp>
-        <p:nvSpPr>
-          <p:cNvPr id="4" name="PlaceHolder 5"/>
-          <p:cNvSpPr>
-            <a:spLocks noGrp="1"/>
-          </p:cNvSpPr>
-          <p:nvPr>
-            <p:ph type="sldNum" idx="3"/>
-          </p:nvPr>
-        </p:nvSpPr>
-        <p:spPr>
-          <a:xfrm>
-            <a:off x="7227360" y="5165280"/>
-            <a:ext cx="2348280" cy="390600"/>
-          </a:xfrm>
-          <a:prstGeom prst="rect">
-            <a:avLst/>
-          </a:prstGeom>
-          <a:noFill/>
-          <a:ln w="0">
-            <a:noFill/>
-          </a:ln>
-        </p:spPr>
-        <p:txBody>
-          <a:bodyPr lIns="0" rIns="0" tIns="0" bIns="0" anchor="t">
-            <a:noAutofit/>
-          </a:bodyPr>
-          <a:lstStyle>
-            <a:lvl1pPr indent="0" algn="r">
-              <a:buNone/>
-              <a:defRPr b="0" lang="en-CA" sz="1400" spc="-1" strike="noStrike">
-                <a:solidFill>
-                  <a:srgbClr val="000000"/>
-                </a:solidFill>
-                <a:latin typeface="Times New Roman"/>
-              </a:defRPr>
-            </a:lvl1pPr>
-          </a:lstStyle>
-          <a:p>
-            <a:pPr indent="0" algn="r">
-              <a:buNone/>
+          <a:p>
+            <a:pPr lvl="1" marL="864000" indent="-324000">
+              <a:spcBef>
+                <a:spcPts val="1134"/>
+              </a:spcBef>
+              <a:buClr>
+                <a:srgbClr val="000000"/>
+              </a:buClr>
+              <a:buSzPct val="75000"/>
+              <a:buFont typeface="Symbol" charset="2"/>
+              <a:buChar char=""/>
             </a:pPr>
-            <a:fld id="{9DE58E45-4DEA-47E9-8A08-BEDAE3EB3010}" type="slidenum">
-              <a:rPr b="0" lang="en-CA" sz="1400" spc="-1" strike="noStrike">
-                <a:solidFill>
-                  <a:srgbClr val="000000"/>
-                </a:solidFill>
-                <a:latin typeface="Times New Roman"/>
+            <a:r>
+              <a:rPr b="0" lang="en-CA" sz="2800" spc="-1" strike="noStrike">
+                <a:solidFill>
+                  <a:srgbClr val="000000"/>
+                </a:solidFill>
+                <a:latin typeface="Arial"/>
               </a:rPr>
-              <a:t>&lt;number&gt;</a:t>
-            </a:fld>
-            <a:endParaRPr b="0" lang="en-CA" sz="1400" spc="-1" strike="noStrike">
+              <a:t>Second Outline Level</a:t>
+            </a:r>
+            <a:endParaRPr b="0" lang="en-CA" sz="2800" spc="-1" strike="noStrike">
               <a:solidFill>
                 <a:srgbClr val="000000"/>
               </a:solidFill>
-              <a:latin typeface="Times New Roman"/>
+              <a:latin typeface="Arial"/>
+            </a:endParaRPr>
+          </a:p>
+          <a:p>
+            <a:pPr lvl="2" marL="1296000" indent="-288000">
+              <a:spcBef>
+                <a:spcPts val="850"/>
+              </a:spcBef>
+              <a:buClr>
+                <a:srgbClr val="000000"/>
+              </a:buClr>
+              <a:buSzPct val="45000"/>
+              <a:buFont typeface="Wingdings" charset="2"/>
+              <a:buChar char=""/>
+            </a:pPr>
+            <a:r>
+              <a:rPr b="0" lang="en-CA" sz="2400" spc="-1" strike="noStrike">
+                <a:solidFill>
+                  <a:srgbClr val="000000"/>
+                </a:solidFill>
+                <a:latin typeface="Arial"/>
+              </a:rPr>
+              <a:t>Third Outline Level</a:t>
+            </a:r>
+            <a:endParaRPr b="0" lang="en-CA" sz="2400" spc="-1" strike="noStrike">
+              <a:solidFill>
+                <a:srgbClr val="000000"/>
+              </a:solidFill>
+              <a:latin typeface="Arial"/>
+            </a:endParaRPr>
+          </a:p>
+          <a:p>
+            <a:pPr lvl="3" marL="1728000" indent="-216000">
+              <a:spcBef>
+                <a:spcPts val="567"/>
+              </a:spcBef>
+              <a:buClr>
+                <a:srgbClr val="000000"/>
+              </a:buClr>
+              <a:buSzPct val="75000"/>
+              <a:buFont typeface="Symbol" charset="2"/>
+              <a:buChar char=""/>
+            </a:pPr>
+            <a:r>
+              <a:rPr b="0" lang="en-CA" sz="2000" spc="-1" strike="noStrike">
+                <a:solidFill>
+                  <a:srgbClr val="000000"/>
+                </a:solidFill>
+                <a:latin typeface="Arial"/>
+              </a:rPr>
+              <a:t>Fourth Outline Level</a:t>
+            </a:r>
+            <a:endParaRPr b="0" lang="en-CA" sz="2000" spc="-1" strike="noStrike">
+              <a:solidFill>
+                <a:srgbClr val="000000"/>
+              </a:solidFill>
+              <a:latin typeface="Arial"/>
+            </a:endParaRPr>
+          </a:p>
+          <a:p>
+            <a:pPr lvl="4" marL="2160000" indent="-216000">
+              <a:spcBef>
+                <a:spcPts val="283"/>
+              </a:spcBef>
+              <a:buClr>
+                <a:srgbClr val="000000"/>
+              </a:buClr>
+              <a:buSzPct val="45000"/>
+              <a:buFont typeface="Wingdings" charset="2"/>
+              <a:buChar char=""/>
+            </a:pPr>
+            <a:r>
+              <a:rPr b="0" lang="en-CA" sz="2000" spc="-1" strike="noStrike">
+                <a:solidFill>
+                  <a:srgbClr val="000000"/>
+                </a:solidFill>
+                <a:latin typeface="Arial"/>
+              </a:rPr>
+              <a:t>Fifth Outline Level</a:t>
+            </a:r>
+            <a:endParaRPr b="0" lang="en-CA" sz="2000" spc="-1" strike="noStrike">
+              <a:solidFill>
+                <a:srgbClr val="000000"/>
+              </a:solidFill>
+              <a:latin typeface="Arial"/>
+            </a:endParaRPr>
+          </a:p>
+          <a:p>
+            <a:pPr lvl="5" marL="2592000" indent="-216000">
+              <a:spcBef>
+                <a:spcPts val="283"/>
+              </a:spcBef>
+              <a:buClr>
+                <a:srgbClr val="000000"/>
+              </a:buClr>
+              <a:buSzPct val="45000"/>
+              <a:buFont typeface="Wingdings" charset="2"/>
+              <a:buChar char=""/>
+            </a:pPr>
+            <a:r>
+              <a:rPr b="0" lang="en-CA" sz="2000" spc="-1" strike="noStrike">
+                <a:solidFill>
+                  <a:srgbClr val="000000"/>
+                </a:solidFill>
+                <a:latin typeface="Arial"/>
+              </a:rPr>
+              <a:t>Sixth Outline Level</a:t>
+            </a:r>
+            <a:endParaRPr b="0" lang="en-CA" sz="2000" spc="-1" strike="noStrike">
+              <a:solidFill>
+                <a:srgbClr val="000000"/>
+              </a:solidFill>
+              <a:latin typeface="Arial"/>
+            </a:endParaRPr>
+          </a:p>
+          <a:p>
+            <a:pPr lvl="6" marL="3024000" indent="-216000">
+              <a:spcBef>
+                <a:spcPts val="283"/>
+              </a:spcBef>
+              <a:buClr>
+                <a:srgbClr val="000000"/>
+              </a:buClr>
+              <a:buSzPct val="45000"/>
+              <a:buFont typeface="Wingdings" charset="2"/>
+              <a:buChar char=""/>
+            </a:pPr>
+            <a:r>
+              <a:rPr b="0" lang="en-CA" sz="2000" spc="-1" strike="noStrike">
+                <a:solidFill>
+                  <a:srgbClr val="000000"/>
+                </a:solidFill>
+                <a:latin typeface="Arial"/>
+              </a:rPr>
+              <a:t>Seventh Outline Level</a:t>
+            </a:r>
+            <a:endParaRPr b="0" lang="en-CA" sz="2000" spc="-1" strike="noStrike">
+              <a:solidFill>
+                <a:srgbClr val="000000"/>
+              </a:solidFill>
+              <a:latin typeface="Arial"/>
             </a:endParaRPr>
           </a:p>
         </p:txBody>
@@ -616,7 +640,7 @@
         <p:spPr>
           <a:xfrm>
             <a:off x="3083760" y="643320"/>
-            <a:ext cx="3971520" cy="4428720"/>
+            <a:ext cx="3971160" cy="4428360"/>
           </a:xfrm>
           <a:prstGeom prst="rect">
             <a:avLst/>
@@ -675,7 +699,7 @@
         <p:spPr>
           <a:xfrm>
             <a:off x="2283480" y="1024200"/>
-            <a:ext cx="5571720" cy="3666600"/>
+            <a:ext cx="5571360" cy="3666240"/>
           </a:xfrm>
           <a:prstGeom prst="rect">
             <a:avLst/>
@@ -734,7 +758,7 @@
         <p:spPr>
           <a:xfrm>
             <a:off x="2245320" y="186120"/>
-            <a:ext cx="5648040" cy="5343120"/>
+            <a:ext cx="5647680" cy="5342760"/>
           </a:xfrm>
           <a:prstGeom prst="rect">
             <a:avLst/>
@@ -793,7 +817,7 @@
         <p:spPr>
           <a:xfrm>
             <a:off x="2245320" y="795600"/>
-            <a:ext cx="5648040" cy="4123800"/>
+            <a:ext cx="5647680" cy="4123440"/>
           </a:xfrm>
           <a:prstGeom prst="rect">
             <a:avLst/>
@@ -852,7 +876,7 @@
         <p:spPr>
           <a:xfrm>
             <a:off x="2283480" y="186120"/>
-            <a:ext cx="5571720" cy="5343120"/>
+            <a:ext cx="5571360" cy="5342760"/>
           </a:xfrm>
           <a:prstGeom prst="rect">
             <a:avLst/>
